--- a/解説資料.pptx
+++ b/解説資料.pptx
@@ -5,10 +5,10 @@
     <p:sldMasterId id="2147483696" r:id="rId1"/>
   </p:sldMasterIdLst>
   <p:notesMasterIdLst>
-    <p:notesMasterId r:id="rId7"/>
+    <p:notesMasterId r:id="rId8"/>
   </p:notesMasterIdLst>
   <p:handoutMasterIdLst>
-    <p:handoutMasterId r:id="rId8"/>
+    <p:handoutMasterId r:id="rId9"/>
   </p:handoutMasterIdLst>
   <p:sldIdLst>
     <p:sldId id="297" r:id="rId2"/>
@@ -16,6 +16,7 @@
     <p:sldId id="299" r:id="rId4"/>
     <p:sldId id="300" r:id="rId5"/>
     <p:sldId id="301" r:id="rId6"/>
+    <p:sldId id="302" r:id="rId7"/>
   </p:sldIdLst>
   <p:sldSz cx="12192000" cy="6858000"/>
   <p:notesSz cx="6797675" cy="9926638"/>
@@ -124,6 +125,7 @@
             <p14:sldId id="299"/>
             <p14:sldId id="300"/>
             <p14:sldId id="301"/>
+            <p14:sldId id="302"/>
           </p14:sldIdLst>
         </p14:section>
         <p14:section name="タイトルなしのセクション" id="{357BF864-1793-4D43-BD90-8DC22956A0E8}">
@@ -8000,6 +8002,13 @@
   <p:clrMapOvr>
     <a:masterClrMapping/>
   </p:clrMapOvr>
+  <p:timing>
+    <p:tnLst>
+      <p:par>
+        <p:cTn id="1" dur="indefinite" restart="never" nodeType="tmRoot"/>
+      </p:par>
+    </p:tnLst>
+  </p:timing>
 </p:sld>
 </file>
 
@@ -8138,6 +8147,13 @@
   <p:clrMapOvr>
     <a:masterClrMapping/>
   </p:clrMapOvr>
+  <p:timing>
+    <p:tnLst>
+      <p:par>
+        <p:cTn id="1" dur="indefinite" restart="never" nodeType="tmRoot"/>
+      </p:par>
+    </p:tnLst>
+  </p:timing>
 </p:sld>
 </file>
 
@@ -8359,6 +8375,13 @@
   <p:clrMapOvr>
     <a:masterClrMapping/>
   </p:clrMapOvr>
+  <p:timing>
+    <p:tnLst>
+      <p:par>
+        <p:cTn id="1" dur="indefinite" restart="never" nodeType="tmRoot"/>
+      </p:par>
+    </p:tnLst>
+  </p:timing>
 </p:sld>
 </file>
 
@@ -8503,9 +8526,6 @@
             </a:r>
             <a:endParaRPr kumimoji="1" lang="en-US" altLang="ja-JP" dirty="0" smtClean="0"/>
           </a:p>
-          <a:p>
-            <a:endParaRPr kumimoji="1" lang="ja-JP" altLang="en-US" dirty="0"/>
-          </a:p>
         </p:txBody>
       </p:sp>
     </p:spTree>
@@ -8518,6 +8538,153 @@
   <p:clrMapOvr>
     <a:masterClrMapping/>
   </p:clrMapOvr>
+  <p:timing>
+    <p:tnLst>
+      <p:par>
+        <p:cTn id="1" dur="indefinite" restart="never" nodeType="tmRoot"/>
+      </p:par>
+    </p:tnLst>
+  </p:timing>
+</p:sld>
+</file>
+
+<file path=ppt/slides/slide6.xml><?xml version="1.0" encoding="utf-8"?>
+<p:sld xmlns:a="http://schemas.openxmlformats.org/drawingml/2006/main" xmlns:r="http://schemas.openxmlformats.org/officeDocument/2006/relationships" xmlns:p="http://schemas.openxmlformats.org/presentationml/2006/main">
+  <p:cSld>
+    <p:spTree>
+      <p:nvGrpSpPr>
+        <p:cNvPr id="1" name=""/>
+        <p:cNvGrpSpPr/>
+        <p:nvPr/>
+      </p:nvGrpSpPr>
+      <p:grpSpPr>
+        <a:xfrm>
+          <a:off x="0" y="0"/>
+          <a:ext cx="0" cy="0"/>
+          <a:chOff x="0" y="0"/>
+          <a:chExt cx="0" cy="0"/>
+        </a:xfrm>
+      </p:grpSpPr>
+      <p:sp>
+        <p:nvSpPr>
+          <p:cNvPr id="2" name="タイトル 1"/>
+          <p:cNvSpPr>
+            <a:spLocks noGrp="1"/>
+          </p:cNvSpPr>
+          <p:nvPr>
+            <p:ph type="title"/>
+          </p:nvPr>
+        </p:nvSpPr>
+        <p:spPr/>
+        <p:txBody>
+          <a:bodyPr/>
+          <a:lstStyle/>
+          <a:p>
+            <a:r>
+              <a:rPr kumimoji="1" lang="ja-JP" altLang="en-US" dirty="0" smtClean="0"/>
+              <a:t>画像を用意します。</a:t>
+            </a:r>
+            <a:endParaRPr kumimoji="1" lang="ja-JP" altLang="en-US" dirty="0"/>
+          </a:p>
+        </p:txBody>
+      </p:sp>
+      <p:sp>
+        <p:nvSpPr>
+          <p:cNvPr id="3" name="コンテンツ プレースホルダー 2"/>
+          <p:cNvSpPr>
+            <a:spLocks noGrp="1"/>
+          </p:cNvSpPr>
+          <p:nvPr>
+            <p:ph sz="quarter" idx="13"/>
+          </p:nvPr>
+        </p:nvSpPr>
+        <p:spPr/>
+        <p:txBody>
+          <a:bodyPr/>
+          <a:lstStyle/>
+          <a:p>
+            <a:r>
+              <a:rPr kumimoji="1" lang="ja-JP" altLang="en-US" dirty="0" smtClean="0"/>
+              <a:t>フォルダ「</a:t>
+            </a:r>
+            <a:r>
+              <a:rPr kumimoji="1" lang="en-US" altLang="ja-JP" dirty="0" smtClean="0"/>
+              <a:t>images</a:t>
+            </a:r>
+            <a:r>
+              <a:rPr kumimoji="1" lang="ja-JP" altLang="en-US" dirty="0" smtClean="0"/>
+              <a:t>」の中に、今回表示させる画像ファイルを用意します。</a:t>
+            </a:r>
+            <a:endParaRPr kumimoji="1" lang="en-US" altLang="ja-JP" dirty="0" smtClean="0"/>
+          </a:p>
+          <a:p>
+            <a:endParaRPr kumimoji="1" lang="ja-JP" altLang="en-US" dirty="0"/>
+          </a:p>
+        </p:txBody>
+      </p:sp>
+      <p:sp>
+        <p:nvSpPr>
+          <p:cNvPr id="4" name="日付プレースホルダー 3"/>
+          <p:cNvSpPr>
+            <a:spLocks noGrp="1"/>
+          </p:cNvSpPr>
+          <p:nvPr>
+            <p:ph type="dt" sz="half" idx="10"/>
+          </p:nvPr>
+        </p:nvSpPr>
+        <p:spPr/>
+        <p:txBody>
+          <a:bodyPr/>
+          <a:lstStyle/>
+          <a:p>
+            <a:fld id="{1CF75602-68AE-49B7-B81D-03C096B04F43}" type="datetime1">
+              <a:rPr kumimoji="1" lang="ja-JP" altLang="en-US" smtClean="0"/>
+              <a:t>2021/10/9</a:t>
+            </a:fld>
+            <a:endParaRPr kumimoji="1" lang="ja-JP" altLang="en-US"/>
+          </a:p>
+        </p:txBody>
+      </p:sp>
+      <p:sp>
+        <p:nvSpPr>
+          <p:cNvPr id="5" name="スライド番号プレースホルダー 4"/>
+          <p:cNvSpPr>
+            <a:spLocks noGrp="1"/>
+          </p:cNvSpPr>
+          <p:nvPr>
+            <p:ph type="sldNum" sz="quarter" idx="12"/>
+          </p:nvPr>
+        </p:nvSpPr>
+        <p:spPr/>
+        <p:txBody>
+          <a:bodyPr/>
+          <a:lstStyle/>
+          <a:p>
+            <a:fld id="{92F6805F-EC71-4205-8EA7-B9DDB2B61B3E}" type="slidenum">
+              <a:rPr kumimoji="1" lang="ja-JP" altLang="en-US" smtClean="0"/>
+              <a:t>6</a:t>
+            </a:fld>
+            <a:endParaRPr kumimoji="1" lang="ja-JP" altLang="en-US"/>
+          </a:p>
+        </p:txBody>
+      </p:sp>
+    </p:spTree>
+    <p:extLst>
+      <p:ext uri="{BB962C8B-B14F-4D97-AF65-F5344CB8AC3E}">
+        <p14:creationId xmlns:p14="http://schemas.microsoft.com/office/powerpoint/2010/main" val="2128759949"/>
+      </p:ext>
+    </p:extLst>
+  </p:cSld>
+  <p:clrMapOvr>
+    <a:masterClrMapping/>
+  </p:clrMapOvr>
+  <p:timing>
+    <p:tnLst>
+      <p:par>
+        <p:cTn id="1" dur="indefinite" restart="never" nodeType="tmRoot"/>
+      </p:par>
+    </p:tnLst>
+  </p:timing>
 </p:sld>
 </file>
 
